--- a/results/partie/results_partie.pptx
+++ b/results/partie/results_partie.pptx
@@ -248,7 +248,7 @@
           <a:p>
             <a:fld id="{22D38222-C4D1-40A7-B04E-CBB0D87BC0C7}" type="datetimeFigureOut">
               <a:rPr lang="es-CO" smtClean="0"/>
-              <a:t>4/06/2024</a:t>
+              <a:t>5/06/2024</a:t>
             </a:fld>
             <a:endParaRPr lang="es-CO"/>
           </a:p>
@@ -418,7 +418,7 @@
           <a:p>
             <a:fld id="{22D38222-C4D1-40A7-B04E-CBB0D87BC0C7}" type="datetimeFigureOut">
               <a:rPr lang="es-CO" smtClean="0"/>
-              <a:t>4/06/2024</a:t>
+              <a:t>5/06/2024</a:t>
             </a:fld>
             <a:endParaRPr lang="es-CO"/>
           </a:p>
@@ -598,7 +598,7 @@
           <a:p>
             <a:fld id="{22D38222-C4D1-40A7-B04E-CBB0D87BC0C7}" type="datetimeFigureOut">
               <a:rPr lang="es-CO" smtClean="0"/>
-              <a:t>4/06/2024</a:t>
+              <a:t>5/06/2024</a:t>
             </a:fld>
             <a:endParaRPr lang="es-CO"/>
           </a:p>
@@ -768,7 +768,7 @@
           <a:p>
             <a:fld id="{22D38222-C4D1-40A7-B04E-CBB0D87BC0C7}" type="datetimeFigureOut">
               <a:rPr lang="es-CO" smtClean="0"/>
-              <a:t>4/06/2024</a:t>
+              <a:t>5/06/2024</a:t>
             </a:fld>
             <a:endParaRPr lang="es-CO"/>
           </a:p>
@@ -1014,7 +1014,7 @@
           <a:p>
             <a:fld id="{22D38222-C4D1-40A7-B04E-CBB0D87BC0C7}" type="datetimeFigureOut">
               <a:rPr lang="es-CO" smtClean="0"/>
-              <a:t>4/06/2024</a:t>
+              <a:t>5/06/2024</a:t>
             </a:fld>
             <a:endParaRPr lang="es-CO"/>
           </a:p>
@@ -1246,7 +1246,7 @@
           <a:p>
             <a:fld id="{22D38222-C4D1-40A7-B04E-CBB0D87BC0C7}" type="datetimeFigureOut">
               <a:rPr lang="es-CO" smtClean="0"/>
-              <a:t>4/06/2024</a:t>
+              <a:t>5/06/2024</a:t>
             </a:fld>
             <a:endParaRPr lang="es-CO"/>
           </a:p>
@@ -1613,7 +1613,7 @@
           <a:p>
             <a:fld id="{22D38222-C4D1-40A7-B04E-CBB0D87BC0C7}" type="datetimeFigureOut">
               <a:rPr lang="es-CO" smtClean="0"/>
-              <a:t>4/06/2024</a:t>
+              <a:t>5/06/2024</a:t>
             </a:fld>
             <a:endParaRPr lang="es-CO"/>
           </a:p>
@@ -1731,7 +1731,7 @@
           <a:p>
             <a:fld id="{22D38222-C4D1-40A7-B04E-CBB0D87BC0C7}" type="datetimeFigureOut">
               <a:rPr lang="es-CO" smtClean="0"/>
-              <a:t>4/06/2024</a:t>
+              <a:t>5/06/2024</a:t>
             </a:fld>
             <a:endParaRPr lang="es-CO"/>
           </a:p>
@@ -1826,7 +1826,7 @@
           <a:p>
             <a:fld id="{22D38222-C4D1-40A7-B04E-CBB0D87BC0C7}" type="datetimeFigureOut">
               <a:rPr lang="es-CO" smtClean="0"/>
-              <a:t>4/06/2024</a:t>
+              <a:t>5/06/2024</a:t>
             </a:fld>
             <a:endParaRPr lang="es-CO"/>
           </a:p>
@@ -2103,7 +2103,7 @@
           <a:p>
             <a:fld id="{22D38222-C4D1-40A7-B04E-CBB0D87BC0C7}" type="datetimeFigureOut">
               <a:rPr lang="es-CO" smtClean="0"/>
-              <a:t>4/06/2024</a:t>
+              <a:t>5/06/2024</a:t>
             </a:fld>
             <a:endParaRPr lang="es-CO"/>
           </a:p>
@@ -2356,7 +2356,7 @@
           <a:p>
             <a:fld id="{22D38222-C4D1-40A7-B04E-CBB0D87BC0C7}" type="datetimeFigureOut">
               <a:rPr lang="es-CO" smtClean="0"/>
-              <a:t>4/06/2024</a:t>
+              <a:t>5/06/2024</a:t>
             </a:fld>
             <a:endParaRPr lang="es-CO"/>
           </a:p>
@@ -2569,7 +2569,7 @@
           <a:p>
             <a:fld id="{22D38222-C4D1-40A7-B04E-CBB0D87BC0C7}" type="datetimeFigureOut">
               <a:rPr lang="es-CO" smtClean="0"/>
-              <a:t>4/06/2024</a:t>
+              <a:t>5/06/2024</a:t>
             </a:fld>
             <a:endParaRPr lang="es-CO"/>
           </a:p>
@@ -3445,6 +3445,13 @@
   <p:clrMapOvr>
     <a:masterClrMapping/>
   </p:clrMapOvr>
+  <p:timing>
+    <p:tnLst>
+      <p:par>
+        <p:cTn id="1" dur="indefinite" restart="never" nodeType="tmRoot"/>
+      </p:par>
+    </p:tnLst>
+  </p:timing>
 </p:sld>
 </file>
 
@@ -3594,6 +3601,13 @@
   <p:clrMapOvr>
     <a:masterClrMapping/>
   </p:clrMapOvr>
+  <p:timing>
+    <p:tnLst>
+      <p:par>
+        <p:cTn id="1" dur="indefinite" restart="never" nodeType="tmRoot"/>
+      </p:par>
+    </p:tnLst>
+  </p:timing>
 </p:sld>
 </file>
 
@@ -3776,6 +3790,13 @@
   <p:clrMapOvr>
     <a:masterClrMapping/>
   </p:clrMapOvr>
+  <p:timing>
+    <p:tnLst>
+      <p:par>
+        <p:cTn id="1" dur="indefinite" restart="never" nodeType="tmRoot"/>
+      </p:par>
+    </p:tnLst>
+  </p:timing>
 </p:sld>
 </file>
 
@@ -4018,6 +4039,13 @@
   <p:clrMapOvr>
     <a:masterClrMapping/>
   </p:clrMapOvr>
+  <p:timing>
+    <p:tnLst>
+      <p:par>
+        <p:cTn id="1" dur="indefinite" restart="never" nodeType="tmRoot"/>
+      </p:par>
+    </p:tnLst>
+  </p:timing>
 </p:sld>
 </file>
 
@@ -4260,6 +4288,13 @@
   <p:clrMapOvr>
     <a:masterClrMapping/>
   </p:clrMapOvr>
+  <p:timing>
+    <p:tnLst>
+      <p:par>
+        <p:cTn id="1" dur="indefinite" restart="never" nodeType="tmRoot"/>
+      </p:par>
+    </p:tnLst>
+  </p:timing>
 </p:sld>
 </file>
 
@@ -4442,6 +4477,13 @@
   <p:clrMapOvr>
     <a:masterClrMapping/>
   </p:clrMapOvr>
+  <p:timing>
+    <p:tnLst>
+      <p:par>
+        <p:cTn id="1" dur="indefinite" restart="never" nodeType="tmRoot"/>
+      </p:par>
+    </p:tnLst>
+  </p:timing>
 </p:sld>
 </file>
 
